--- a/ppt 16-9/1235.爱火燃少年心.pptx
+++ b/ppt 16-9/1235.爱火燃少年心.pptx
@@ -129,7 +129,7 @@
           <p:cNvPr id="2" name="标题 1">
             <a:extLst>
               <a:ext uri="{FF2B5EF4-FFF2-40B4-BE49-F238E27FC236}">
-                <a16:creationId xmlns:a16="http://schemas.microsoft.com/office/drawing/2014/main" id="{31CC0ABF-B066-2F07-87B6-F16EE89CC5D7}"/>
+                <a16:creationId xmlns:a16="http://schemas.microsoft.com/office/drawing/2014/main" id="{ABF56A34-C17F-A202-EA80-4381F01A1C45}"/>
               </a:ext>
             </a:extLst>
           </p:cNvPr>
@@ -166,7 +166,7 @@
           <p:cNvPr id="3" name="副标题 2">
             <a:extLst>
               <a:ext uri="{FF2B5EF4-FFF2-40B4-BE49-F238E27FC236}">
-                <a16:creationId xmlns:a16="http://schemas.microsoft.com/office/drawing/2014/main" id="{6D890236-D1C4-D872-01AA-11609B7DE232}"/>
+                <a16:creationId xmlns:a16="http://schemas.microsoft.com/office/drawing/2014/main" id="{65780C62-B12C-E0EC-7E27-8DC5B77DE208}"/>
               </a:ext>
             </a:extLst>
           </p:cNvPr>
@@ -236,7 +236,7 @@
           <p:cNvPr id="4" name="日期占位符 3">
             <a:extLst>
               <a:ext uri="{FF2B5EF4-FFF2-40B4-BE49-F238E27FC236}">
-                <a16:creationId xmlns:a16="http://schemas.microsoft.com/office/drawing/2014/main" id="{19BA6E20-8E94-C380-4470-A45F93CFEF66}"/>
+                <a16:creationId xmlns:a16="http://schemas.microsoft.com/office/drawing/2014/main" id="{0DCE46E5-267E-C2D7-DD96-E13E91324468}"/>
               </a:ext>
             </a:extLst>
           </p:cNvPr>
@@ -252,7 +252,7 @@
           <a:bodyPr/>
           <a:lstStyle/>
           <a:p>
-            <a:fld id="{E306BFC1-9116-4AE4-90FF-6B930F0AC022}" type="datetimeFigureOut">
+            <a:fld id="{57E7483D-93C7-4126-BA19-52EE07EBB4E9}" type="datetimeFigureOut">
               <a:rPr lang="zh-CN" altLang="en-US" smtClean="0"/>
               <a:t>2024/3/10</a:t>
             </a:fld>
@@ -265,7 +265,7 @@
           <p:cNvPr id="5" name="页脚占位符 4">
             <a:extLst>
               <a:ext uri="{FF2B5EF4-FFF2-40B4-BE49-F238E27FC236}">
-                <a16:creationId xmlns:a16="http://schemas.microsoft.com/office/drawing/2014/main" id="{84A4A126-DC67-F8A5-AAC8-B363437C3F25}"/>
+                <a16:creationId xmlns:a16="http://schemas.microsoft.com/office/drawing/2014/main" id="{1AA3D9A6-6C2B-D202-2F8D-B862F2E121FE}"/>
               </a:ext>
             </a:extLst>
           </p:cNvPr>
@@ -290,7 +290,7 @@
           <p:cNvPr id="6" name="灯片编号占位符 5">
             <a:extLst>
               <a:ext uri="{FF2B5EF4-FFF2-40B4-BE49-F238E27FC236}">
-                <a16:creationId xmlns:a16="http://schemas.microsoft.com/office/drawing/2014/main" id="{F012D74D-671C-2C68-061D-CDFFDF28E3C2}"/>
+                <a16:creationId xmlns:a16="http://schemas.microsoft.com/office/drawing/2014/main" id="{80090822-A108-4C8A-663B-B0E8638A652E}"/>
               </a:ext>
             </a:extLst>
           </p:cNvPr>
@@ -306,7 +306,7 @@
           <a:bodyPr/>
           <a:lstStyle/>
           <a:p>
-            <a:fld id="{99161DAC-E5E5-42BD-8C95-21DD38E22665}" type="slidenum">
+            <a:fld id="{F614C6AB-4031-4E25-A7DE-9C791C3ED695}" type="slidenum">
               <a:rPr lang="zh-CN" altLang="en-US" smtClean="0"/>
               <a:t>‹#›</a:t>
             </a:fld>
@@ -317,7 +317,7 @@
     </p:spTree>
     <p:extLst>
       <p:ext uri="{BB962C8B-B14F-4D97-AF65-F5344CB8AC3E}">
-        <p14:creationId xmlns:p14="http://schemas.microsoft.com/office/powerpoint/2010/main" val="836403272"/>
+        <p14:creationId xmlns:p14="http://schemas.microsoft.com/office/powerpoint/2010/main" val="484168790"/>
       </p:ext>
     </p:extLst>
   </p:cSld>
@@ -349,7 +349,7 @@
           <p:cNvPr id="2" name="标题 1">
             <a:extLst>
               <a:ext uri="{FF2B5EF4-FFF2-40B4-BE49-F238E27FC236}">
-                <a16:creationId xmlns:a16="http://schemas.microsoft.com/office/drawing/2014/main" id="{EAE0DFA8-CEBE-87DA-6A9E-EA10E5084546}"/>
+                <a16:creationId xmlns:a16="http://schemas.microsoft.com/office/drawing/2014/main" id="{1F9F044F-8261-54FE-426A-D7F606E68D4E}"/>
               </a:ext>
             </a:extLst>
           </p:cNvPr>
@@ -377,7 +377,7 @@
           <p:cNvPr id="3" name="竖排文字占位符 2">
             <a:extLst>
               <a:ext uri="{FF2B5EF4-FFF2-40B4-BE49-F238E27FC236}">
-                <a16:creationId xmlns:a16="http://schemas.microsoft.com/office/drawing/2014/main" id="{ED078963-A0EC-B9CB-6FE7-BAB130B3C433}"/>
+                <a16:creationId xmlns:a16="http://schemas.microsoft.com/office/drawing/2014/main" id="{60640675-CA5C-E557-14B3-9AF25B9924A7}"/>
               </a:ext>
             </a:extLst>
           </p:cNvPr>
@@ -434,7 +434,7 @@
           <p:cNvPr id="4" name="日期占位符 3">
             <a:extLst>
               <a:ext uri="{FF2B5EF4-FFF2-40B4-BE49-F238E27FC236}">
-                <a16:creationId xmlns:a16="http://schemas.microsoft.com/office/drawing/2014/main" id="{6A1F3C8C-4DB9-F247-3F7A-D0B388FA31B5}"/>
+                <a16:creationId xmlns:a16="http://schemas.microsoft.com/office/drawing/2014/main" id="{C4AC8D0F-F22D-7DAB-0153-30E66E85D453}"/>
               </a:ext>
             </a:extLst>
           </p:cNvPr>
@@ -450,7 +450,7 @@
           <a:bodyPr/>
           <a:lstStyle/>
           <a:p>
-            <a:fld id="{E306BFC1-9116-4AE4-90FF-6B930F0AC022}" type="datetimeFigureOut">
+            <a:fld id="{57E7483D-93C7-4126-BA19-52EE07EBB4E9}" type="datetimeFigureOut">
               <a:rPr lang="zh-CN" altLang="en-US" smtClean="0"/>
               <a:t>2024/3/10</a:t>
             </a:fld>
@@ -463,7 +463,7 @@
           <p:cNvPr id="5" name="页脚占位符 4">
             <a:extLst>
               <a:ext uri="{FF2B5EF4-FFF2-40B4-BE49-F238E27FC236}">
-                <a16:creationId xmlns:a16="http://schemas.microsoft.com/office/drawing/2014/main" id="{2F25FC30-0B1D-9E65-F32F-DE36B8EC2EE0}"/>
+                <a16:creationId xmlns:a16="http://schemas.microsoft.com/office/drawing/2014/main" id="{B893B51B-A2A1-0F78-6AD0-33B5E1D7B231}"/>
               </a:ext>
             </a:extLst>
           </p:cNvPr>
@@ -488,7 +488,7 @@
           <p:cNvPr id="6" name="灯片编号占位符 5">
             <a:extLst>
               <a:ext uri="{FF2B5EF4-FFF2-40B4-BE49-F238E27FC236}">
-                <a16:creationId xmlns:a16="http://schemas.microsoft.com/office/drawing/2014/main" id="{24F67C7F-32FA-0ACE-99D2-27E7A4D0B44F}"/>
+                <a16:creationId xmlns:a16="http://schemas.microsoft.com/office/drawing/2014/main" id="{AC59717F-BC11-81E9-967D-BA7DCEE5E3F9}"/>
               </a:ext>
             </a:extLst>
           </p:cNvPr>
@@ -504,7 +504,7 @@
           <a:bodyPr/>
           <a:lstStyle/>
           <a:p>
-            <a:fld id="{99161DAC-E5E5-42BD-8C95-21DD38E22665}" type="slidenum">
+            <a:fld id="{F614C6AB-4031-4E25-A7DE-9C791C3ED695}" type="slidenum">
               <a:rPr lang="zh-CN" altLang="en-US" smtClean="0"/>
               <a:t>‹#›</a:t>
             </a:fld>
@@ -515,7 +515,7 @@
     </p:spTree>
     <p:extLst>
       <p:ext uri="{BB962C8B-B14F-4D97-AF65-F5344CB8AC3E}">
-        <p14:creationId xmlns:p14="http://schemas.microsoft.com/office/powerpoint/2010/main" val="4076926175"/>
+        <p14:creationId xmlns:p14="http://schemas.microsoft.com/office/powerpoint/2010/main" val="818019877"/>
       </p:ext>
     </p:extLst>
   </p:cSld>
@@ -547,7 +547,7 @@
           <p:cNvPr id="2" name="竖排标题 1">
             <a:extLst>
               <a:ext uri="{FF2B5EF4-FFF2-40B4-BE49-F238E27FC236}">
-                <a16:creationId xmlns:a16="http://schemas.microsoft.com/office/drawing/2014/main" id="{6A770875-9440-1F01-3249-1D3C6D0C7138}"/>
+                <a16:creationId xmlns:a16="http://schemas.microsoft.com/office/drawing/2014/main" id="{89776823-155F-E365-A5A9-CE46429219AD}"/>
               </a:ext>
             </a:extLst>
           </p:cNvPr>
@@ -580,7 +580,7 @@
           <p:cNvPr id="3" name="竖排文字占位符 2">
             <a:extLst>
               <a:ext uri="{FF2B5EF4-FFF2-40B4-BE49-F238E27FC236}">
-                <a16:creationId xmlns:a16="http://schemas.microsoft.com/office/drawing/2014/main" id="{EB73CAB1-0872-A30E-7D78-E9E25EE6A5FB}"/>
+                <a16:creationId xmlns:a16="http://schemas.microsoft.com/office/drawing/2014/main" id="{C9C4EB8A-1B8F-65AD-7545-24776FF0093E}"/>
               </a:ext>
             </a:extLst>
           </p:cNvPr>
@@ -642,7 +642,7 @@
           <p:cNvPr id="4" name="日期占位符 3">
             <a:extLst>
               <a:ext uri="{FF2B5EF4-FFF2-40B4-BE49-F238E27FC236}">
-                <a16:creationId xmlns:a16="http://schemas.microsoft.com/office/drawing/2014/main" id="{AAFE145B-64CA-0875-4E82-5C189B581858}"/>
+                <a16:creationId xmlns:a16="http://schemas.microsoft.com/office/drawing/2014/main" id="{916F8DED-3F28-448B-1B39-0401E37F5332}"/>
               </a:ext>
             </a:extLst>
           </p:cNvPr>
@@ -658,7 +658,7 @@
           <a:bodyPr/>
           <a:lstStyle/>
           <a:p>
-            <a:fld id="{E306BFC1-9116-4AE4-90FF-6B930F0AC022}" type="datetimeFigureOut">
+            <a:fld id="{57E7483D-93C7-4126-BA19-52EE07EBB4E9}" type="datetimeFigureOut">
               <a:rPr lang="zh-CN" altLang="en-US" smtClean="0"/>
               <a:t>2024/3/10</a:t>
             </a:fld>
@@ -671,7 +671,7 @@
           <p:cNvPr id="5" name="页脚占位符 4">
             <a:extLst>
               <a:ext uri="{FF2B5EF4-FFF2-40B4-BE49-F238E27FC236}">
-                <a16:creationId xmlns:a16="http://schemas.microsoft.com/office/drawing/2014/main" id="{8A89F7B3-5C44-A81F-2B97-8604E7993F52}"/>
+                <a16:creationId xmlns:a16="http://schemas.microsoft.com/office/drawing/2014/main" id="{C85EECF6-D7F3-8799-6307-60E5DD7668D4}"/>
               </a:ext>
             </a:extLst>
           </p:cNvPr>
@@ -696,7 +696,7 @@
           <p:cNvPr id="6" name="灯片编号占位符 5">
             <a:extLst>
               <a:ext uri="{FF2B5EF4-FFF2-40B4-BE49-F238E27FC236}">
-                <a16:creationId xmlns:a16="http://schemas.microsoft.com/office/drawing/2014/main" id="{49AF633B-ABA1-BCF8-868D-8C2D5E52E5FA}"/>
+                <a16:creationId xmlns:a16="http://schemas.microsoft.com/office/drawing/2014/main" id="{791E5BA4-8081-DDB5-05D5-5BE7204EFD99}"/>
               </a:ext>
             </a:extLst>
           </p:cNvPr>
@@ -712,7 +712,7 @@
           <a:bodyPr/>
           <a:lstStyle/>
           <a:p>
-            <a:fld id="{99161DAC-E5E5-42BD-8C95-21DD38E22665}" type="slidenum">
+            <a:fld id="{F614C6AB-4031-4E25-A7DE-9C791C3ED695}" type="slidenum">
               <a:rPr lang="zh-CN" altLang="en-US" smtClean="0"/>
               <a:t>‹#›</a:t>
             </a:fld>
@@ -723,7 +723,7 @@
     </p:spTree>
     <p:extLst>
       <p:ext uri="{BB962C8B-B14F-4D97-AF65-F5344CB8AC3E}">
-        <p14:creationId xmlns:p14="http://schemas.microsoft.com/office/powerpoint/2010/main" val="3058746055"/>
+        <p14:creationId xmlns:p14="http://schemas.microsoft.com/office/powerpoint/2010/main" val="1087776797"/>
       </p:ext>
     </p:extLst>
   </p:cSld>
@@ -755,7 +755,7 @@
           <p:cNvPr id="2" name="标题 1">
             <a:extLst>
               <a:ext uri="{FF2B5EF4-FFF2-40B4-BE49-F238E27FC236}">
-                <a16:creationId xmlns:a16="http://schemas.microsoft.com/office/drawing/2014/main" id="{B7460276-1CCD-9A49-482A-0D72C91A98CB}"/>
+                <a16:creationId xmlns:a16="http://schemas.microsoft.com/office/drawing/2014/main" id="{F10FC782-9601-9BC2-A7C4-0D7D4263B5F0}"/>
               </a:ext>
             </a:extLst>
           </p:cNvPr>
@@ -783,7 +783,7 @@
           <p:cNvPr id="3" name="内容占位符 2">
             <a:extLst>
               <a:ext uri="{FF2B5EF4-FFF2-40B4-BE49-F238E27FC236}">
-                <a16:creationId xmlns:a16="http://schemas.microsoft.com/office/drawing/2014/main" id="{571EDB34-D0F8-F1E9-28F1-967E9540BD50}"/>
+                <a16:creationId xmlns:a16="http://schemas.microsoft.com/office/drawing/2014/main" id="{CBF4E577-12E6-0252-3981-ECBA736FA3E1}"/>
               </a:ext>
             </a:extLst>
           </p:cNvPr>
@@ -840,7 +840,7 @@
           <p:cNvPr id="4" name="日期占位符 3">
             <a:extLst>
               <a:ext uri="{FF2B5EF4-FFF2-40B4-BE49-F238E27FC236}">
-                <a16:creationId xmlns:a16="http://schemas.microsoft.com/office/drawing/2014/main" id="{AB361DAE-3092-E44E-5457-AAEB3DBD5FB7}"/>
+                <a16:creationId xmlns:a16="http://schemas.microsoft.com/office/drawing/2014/main" id="{DDB75D1D-5977-7F32-AE48-B563B72C5C60}"/>
               </a:ext>
             </a:extLst>
           </p:cNvPr>
@@ -856,7 +856,7 @@
           <a:bodyPr/>
           <a:lstStyle/>
           <a:p>
-            <a:fld id="{E306BFC1-9116-4AE4-90FF-6B930F0AC022}" type="datetimeFigureOut">
+            <a:fld id="{57E7483D-93C7-4126-BA19-52EE07EBB4E9}" type="datetimeFigureOut">
               <a:rPr lang="zh-CN" altLang="en-US" smtClean="0"/>
               <a:t>2024/3/10</a:t>
             </a:fld>
@@ -869,7 +869,7 @@
           <p:cNvPr id="5" name="页脚占位符 4">
             <a:extLst>
               <a:ext uri="{FF2B5EF4-FFF2-40B4-BE49-F238E27FC236}">
-                <a16:creationId xmlns:a16="http://schemas.microsoft.com/office/drawing/2014/main" id="{2C25966B-918B-9173-8AF2-F2DA0546110B}"/>
+                <a16:creationId xmlns:a16="http://schemas.microsoft.com/office/drawing/2014/main" id="{8706C0F7-C3E7-869A-DB7A-26C10584A639}"/>
               </a:ext>
             </a:extLst>
           </p:cNvPr>
@@ -894,7 +894,7 @@
           <p:cNvPr id="6" name="灯片编号占位符 5">
             <a:extLst>
               <a:ext uri="{FF2B5EF4-FFF2-40B4-BE49-F238E27FC236}">
-                <a16:creationId xmlns:a16="http://schemas.microsoft.com/office/drawing/2014/main" id="{ABA07124-F65C-9C69-2BD1-FCACBADF87F8}"/>
+                <a16:creationId xmlns:a16="http://schemas.microsoft.com/office/drawing/2014/main" id="{32011413-6588-6E49-ECD5-59BB61D33E68}"/>
               </a:ext>
             </a:extLst>
           </p:cNvPr>
@@ -910,7 +910,7 @@
           <a:bodyPr/>
           <a:lstStyle/>
           <a:p>
-            <a:fld id="{99161DAC-E5E5-42BD-8C95-21DD38E22665}" type="slidenum">
+            <a:fld id="{F614C6AB-4031-4E25-A7DE-9C791C3ED695}" type="slidenum">
               <a:rPr lang="zh-CN" altLang="en-US" smtClean="0"/>
               <a:t>‹#›</a:t>
             </a:fld>
@@ -921,7 +921,7 @@
     </p:spTree>
     <p:extLst>
       <p:ext uri="{BB962C8B-B14F-4D97-AF65-F5344CB8AC3E}">
-        <p14:creationId xmlns:p14="http://schemas.microsoft.com/office/powerpoint/2010/main" val="1601812341"/>
+        <p14:creationId xmlns:p14="http://schemas.microsoft.com/office/powerpoint/2010/main" val="2300608906"/>
       </p:ext>
     </p:extLst>
   </p:cSld>
@@ -953,7 +953,7 @@
           <p:cNvPr id="2" name="标题 1">
             <a:extLst>
               <a:ext uri="{FF2B5EF4-FFF2-40B4-BE49-F238E27FC236}">
-                <a16:creationId xmlns:a16="http://schemas.microsoft.com/office/drawing/2014/main" id="{5E9C9A2A-FD30-5DA4-FC61-A996E4E7EF6F}"/>
+                <a16:creationId xmlns:a16="http://schemas.microsoft.com/office/drawing/2014/main" id="{5103CC52-CBCD-007C-9AFA-FC379409F2D0}"/>
               </a:ext>
             </a:extLst>
           </p:cNvPr>
@@ -990,7 +990,7 @@
           <p:cNvPr id="3" name="文本占位符 2">
             <a:extLst>
               <a:ext uri="{FF2B5EF4-FFF2-40B4-BE49-F238E27FC236}">
-                <a16:creationId xmlns:a16="http://schemas.microsoft.com/office/drawing/2014/main" id="{4FE07998-3389-EAF2-01D6-5E8668302F52}"/>
+                <a16:creationId xmlns:a16="http://schemas.microsoft.com/office/drawing/2014/main" id="{21C5C2B0-EB4E-246D-4580-98AAD32160BF}"/>
               </a:ext>
             </a:extLst>
           </p:cNvPr>
@@ -1115,7 +1115,7 @@
           <p:cNvPr id="4" name="日期占位符 3">
             <a:extLst>
               <a:ext uri="{FF2B5EF4-FFF2-40B4-BE49-F238E27FC236}">
-                <a16:creationId xmlns:a16="http://schemas.microsoft.com/office/drawing/2014/main" id="{C5DDE5BE-499A-CA0B-F58F-0EE0E627ED48}"/>
+                <a16:creationId xmlns:a16="http://schemas.microsoft.com/office/drawing/2014/main" id="{2E77131D-8250-40D5-CA0B-6F8F9E080903}"/>
               </a:ext>
             </a:extLst>
           </p:cNvPr>
@@ -1131,7 +1131,7 @@
           <a:bodyPr/>
           <a:lstStyle/>
           <a:p>
-            <a:fld id="{E306BFC1-9116-4AE4-90FF-6B930F0AC022}" type="datetimeFigureOut">
+            <a:fld id="{57E7483D-93C7-4126-BA19-52EE07EBB4E9}" type="datetimeFigureOut">
               <a:rPr lang="zh-CN" altLang="en-US" smtClean="0"/>
               <a:t>2024/3/10</a:t>
             </a:fld>
@@ -1144,7 +1144,7 @@
           <p:cNvPr id="5" name="页脚占位符 4">
             <a:extLst>
               <a:ext uri="{FF2B5EF4-FFF2-40B4-BE49-F238E27FC236}">
-                <a16:creationId xmlns:a16="http://schemas.microsoft.com/office/drawing/2014/main" id="{5F78112C-9CF3-59B2-CCF1-858FFCF12D2C}"/>
+                <a16:creationId xmlns:a16="http://schemas.microsoft.com/office/drawing/2014/main" id="{23C63B44-F826-D2BB-593C-BBF9DAE9A09A}"/>
               </a:ext>
             </a:extLst>
           </p:cNvPr>
@@ -1169,7 +1169,7 @@
           <p:cNvPr id="6" name="灯片编号占位符 5">
             <a:extLst>
               <a:ext uri="{FF2B5EF4-FFF2-40B4-BE49-F238E27FC236}">
-                <a16:creationId xmlns:a16="http://schemas.microsoft.com/office/drawing/2014/main" id="{5328D7A7-CD6D-B4D1-60C9-954EC09F3CD5}"/>
+                <a16:creationId xmlns:a16="http://schemas.microsoft.com/office/drawing/2014/main" id="{03E6C5B9-6E72-409E-6110-893A961EE9BE}"/>
               </a:ext>
             </a:extLst>
           </p:cNvPr>
@@ -1185,7 +1185,7 @@
           <a:bodyPr/>
           <a:lstStyle/>
           <a:p>
-            <a:fld id="{99161DAC-E5E5-42BD-8C95-21DD38E22665}" type="slidenum">
+            <a:fld id="{F614C6AB-4031-4E25-A7DE-9C791C3ED695}" type="slidenum">
               <a:rPr lang="zh-CN" altLang="en-US" smtClean="0"/>
               <a:t>‹#›</a:t>
             </a:fld>
@@ -1196,7 +1196,7 @@
     </p:spTree>
     <p:extLst>
       <p:ext uri="{BB962C8B-B14F-4D97-AF65-F5344CB8AC3E}">
-        <p14:creationId xmlns:p14="http://schemas.microsoft.com/office/powerpoint/2010/main" val="1112940949"/>
+        <p14:creationId xmlns:p14="http://schemas.microsoft.com/office/powerpoint/2010/main" val="4074961636"/>
       </p:ext>
     </p:extLst>
   </p:cSld>
@@ -1228,7 +1228,7 @@
           <p:cNvPr id="2" name="标题 1">
             <a:extLst>
               <a:ext uri="{FF2B5EF4-FFF2-40B4-BE49-F238E27FC236}">
-                <a16:creationId xmlns:a16="http://schemas.microsoft.com/office/drawing/2014/main" id="{10C36C28-8448-3FE4-EC53-4F854A0157CD}"/>
+                <a16:creationId xmlns:a16="http://schemas.microsoft.com/office/drawing/2014/main" id="{35A474DC-633B-0243-AC1D-45D96797B155}"/>
               </a:ext>
             </a:extLst>
           </p:cNvPr>
@@ -1256,7 +1256,7 @@
           <p:cNvPr id="3" name="内容占位符 2">
             <a:extLst>
               <a:ext uri="{FF2B5EF4-FFF2-40B4-BE49-F238E27FC236}">
-                <a16:creationId xmlns:a16="http://schemas.microsoft.com/office/drawing/2014/main" id="{93F203E4-7737-BB31-812B-D900B8BB7DCF}"/>
+                <a16:creationId xmlns:a16="http://schemas.microsoft.com/office/drawing/2014/main" id="{B6279608-075F-35EA-0DB1-AAC46A7CFD6B}"/>
               </a:ext>
             </a:extLst>
           </p:cNvPr>
@@ -1318,7 +1318,7 @@
           <p:cNvPr id="4" name="内容占位符 3">
             <a:extLst>
               <a:ext uri="{FF2B5EF4-FFF2-40B4-BE49-F238E27FC236}">
-                <a16:creationId xmlns:a16="http://schemas.microsoft.com/office/drawing/2014/main" id="{D3F05191-01A4-86AB-378D-17CB04B79664}"/>
+                <a16:creationId xmlns:a16="http://schemas.microsoft.com/office/drawing/2014/main" id="{1E1F3685-8A6A-87AA-2ADA-A31EFBC0D07D}"/>
               </a:ext>
             </a:extLst>
           </p:cNvPr>
@@ -1380,7 +1380,7 @@
           <p:cNvPr id="5" name="日期占位符 4">
             <a:extLst>
               <a:ext uri="{FF2B5EF4-FFF2-40B4-BE49-F238E27FC236}">
-                <a16:creationId xmlns:a16="http://schemas.microsoft.com/office/drawing/2014/main" id="{7FBFE0FE-1EA2-CC6C-0601-1BE1C56CE141}"/>
+                <a16:creationId xmlns:a16="http://schemas.microsoft.com/office/drawing/2014/main" id="{6EC6708E-EB8D-831A-3318-28D097CDADD5}"/>
               </a:ext>
             </a:extLst>
           </p:cNvPr>
@@ -1396,7 +1396,7 @@
           <a:bodyPr/>
           <a:lstStyle/>
           <a:p>
-            <a:fld id="{E306BFC1-9116-4AE4-90FF-6B930F0AC022}" type="datetimeFigureOut">
+            <a:fld id="{57E7483D-93C7-4126-BA19-52EE07EBB4E9}" type="datetimeFigureOut">
               <a:rPr lang="zh-CN" altLang="en-US" smtClean="0"/>
               <a:t>2024/3/10</a:t>
             </a:fld>
@@ -1409,7 +1409,7 @@
           <p:cNvPr id="6" name="页脚占位符 5">
             <a:extLst>
               <a:ext uri="{FF2B5EF4-FFF2-40B4-BE49-F238E27FC236}">
-                <a16:creationId xmlns:a16="http://schemas.microsoft.com/office/drawing/2014/main" id="{2D132ECD-4CC2-052C-3756-E1F31D8140F7}"/>
+                <a16:creationId xmlns:a16="http://schemas.microsoft.com/office/drawing/2014/main" id="{1421F051-D497-F96A-7F4E-E206A9C3E068}"/>
               </a:ext>
             </a:extLst>
           </p:cNvPr>
@@ -1434,7 +1434,7 @@
           <p:cNvPr id="7" name="灯片编号占位符 6">
             <a:extLst>
               <a:ext uri="{FF2B5EF4-FFF2-40B4-BE49-F238E27FC236}">
-                <a16:creationId xmlns:a16="http://schemas.microsoft.com/office/drawing/2014/main" id="{8076D9F0-2EDD-FBD9-2838-9C43420E4331}"/>
+                <a16:creationId xmlns:a16="http://schemas.microsoft.com/office/drawing/2014/main" id="{9F7AEB52-1F7E-1A65-FA48-F60526794CAE}"/>
               </a:ext>
             </a:extLst>
           </p:cNvPr>
@@ -1450,7 +1450,7 @@
           <a:bodyPr/>
           <a:lstStyle/>
           <a:p>
-            <a:fld id="{99161DAC-E5E5-42BD-8C95-21DD38E22665}" type="slidenum">
+            <a:fld id="{F614C6AB-4031-4E25-A7DE-9C791C3ED695}" type="slidenum">
               <a:rPr lang="zh-CN" altLang="en-US" smtClean="0"/>
               <a:t>‹#›</a:t>
             </a:fld>
@@ -1461,7 +1461,7 @@
     </p:spTree>
     <p:extLst>
       <p:ext uri="{BB962C8B-B14F-4D97-AF65-F5344CB8AC3E}">
-        <p14:creationId xmlns:p14="http://schemas.microsoft.com/office/powerpoint/2010/main" val="2575712424"/>
+        <p14:creationId xmlns:p14="http://schemas.microsoft.com/office/powerpoint/2010/main" val="2821388063"/>
       </p:ext>
     </p:extLst>
   </p:cSld>
@@ -1493,7 +1493,7 @@
           <p:cNvPr id="2" name="标题 1">
             <a:extLst>
               <a:ext uri="{FF2B5EF4-FFF2-40B4-BE49-F238E27FC236}">
-                <a16:creationId xmlns:a16="http://schemas.microsoft.com/office/drawing/2014/main" id="{6C22DC0D-443C-C119-E188-3A40CAB88E60}"/>
+                <a16:creationId xmlns:a16="http://schemas.microsoft.com/office/drawing/2014/main" id="{CF75C171-FE2D-7753-6836-50F670CEE9FE}"/>
               </a:ext>
             </a:extLst>
           </p:cNvPr>
@@ -1526,7 +1526,7 @@
           <p:cNvPr id="3" name="文本占位符 2">
             <a:extLst>
               <a:ext uri="{FF2B5EF4-FFF2-40B4-BE49-F238E27FC236}">
-                <a16:creationId xmlns:a16="http://schemas.microsoft.com/office/drawing/2014/main" id="{A76FF271-D31D-1225-CA10-4618775213FC}"/>
+                <a16:creationId xmlns:a16="http://schemas.microsoft.com/office/drawing/2014/main" id="{5E5EE68B-0EB7-7824-95D5-16A32E92E349}"/>
               </a:ext>
             </a:extLst>
           </p:cNvPr>
@@ -1597,7 +1597,7 @@
           <p:cNvPr id="4" name="内容占位符 3">
             <a:extLst>
               <a:ext uri="{FF2B5EF4-FFF2-40B4-BE49-F238E27FC236}">
-                <a16:creationId xmlns:a16="http://schemas.microsoft.com/office/drawing/2014/main" id="{D45EEB7D-61ED-59F2-7531-9DE25CB6AB3F}"/>
+                <a16:creationId xmlns:a16="http://schemas.microsoft.com/office/drawing/2014/main" id="{28794141-13BE-06FB-2201-EA3FE62B9B9C}"/>
               </a:ext>
             </a:extLst>
           </p:cNvPr>
@@ -1659,7 +1659,7 @@
           <p:cNvPr id="5" name="文本占位符 4">
             <a:extLst>
               <a:ext uri="{FF2B5EF4-FFF2-40B4-BE49-F238E27FC236}">
-                <a16:creationId xmlns:a16="http://schemas.microsoft.com/office/drawing/2014/main" id="{3D618703-0CA7-C4C7-ABB5-6472CAFC6611}"/>
+                <a16:creationId xmlns:a16="http://schemas.microsoft.com/office/drawing/2014/main" id="{41E7A6FA-F461-232C-A3EB-0D00E6CEE48D}"/>
               </a:ext>
             </a:extLst>
           </p:cNvPr>
@@ -1730,7 +1730,7 @@
           <p:cNvPr id="6" name="内容占位符 5">
             <a:extLst>
               <a:ext uri="{FF2B5EF4-FFF2-40B4-BE49-F238E27FC236}">
-                <a16:creationId xmlns:a16="http://schemas.microsoft.com/office/drawing/2014/main" id="{B056BA53-5BD7-A949-15AB-86BD9EAF1995}"/>
+                <a16:creationId xmlns:a16="http://schemas.microsoft.com/office/drawing/2014/main" id="{3BFA621D-78FF-0D56-0A0B-13A5913C94BD}"/>
               </a:ext>
             </a:extLst>
           </p:cNvPr>
@@ -1792,7 +1792,7 @@
           <p:cNvPr id="7" name="日期占位符 6">
             <a:extLst>
               <a:ext uri="{FF2B5EF4-FFF2-40B4-BE49-F238E27FC236}">
-                <a16:creationId xmlns:a16="http://schemas.microsoft.com/office/drawing/2014/main" id="{65FDD4D5-1D24-2A71-F89E-B1B839F64053}"/>
+                <a16:creationId xmlns:a16="http://schemas.microsoft.com/office/drawing/2014/main" id="{1AED1830-5F7B-11C3-FFE5-A63DF3F8720C}"/>
               </a:ext>
             </a:extLst>
           </p:cNvPr>
@@ -1808,7 +1808,7 @@
           <a:bodyPr/>
           <a:lstStyle/>
           <a:p>
-            <a:fld id="{E306BFC1-9116-4AE4-90FF-6B930F0AC022}" type="datetimeFigureOut">
+            <a:fld id="{57E7483D-93C7-4126-BA19-52EE07EBB4E9}" type="datetimeFigureOut">
               <a:rPr lang="zh-CN" altLang="en-US" smtClean="0"/>
               <a:t>2024/3/10</a:t>
             </a:fld>
@@ -1821,7 +1821,7 @@
           <p:cNvPr id="8" name="页脚占位符 7">
             <a:extLst>
               <a:ext uri="{FF2B5EF4-FFF2-40B4-BE49-F238E27FC236}">
-                <a16:creationId xmlns:a16="http://schemas.microsoft.com/office/drawing/2014/main" id="{39043ECD-1D9E-205C-F0CA-EA931B1629B7}"/>
+                <a16:creationId xmlns:a16="http://schemas.microsoft.com/office/drawing/2014/main" id="{F15DB63C-578D-C5DD-249C-2F25FD0F1B80}"/>
               </a:ext>
             </a:extLst>
           </p:cNvPr>
@@ -1846,7 +1846,7 @@
           <p:cNvPr id="9" name="灯片编号占位符 8">
             <a:extLst>
               <a:ext uri="{FF2B5EF4-FFF2-40B4-BE49-F238E27FC236}">
-                <a16:creationId xmlns:a16="http://schemas.microsoft.com/office/drawing/2014/main" id="{642C3B5B-6505-8558-859B-5D6F90FA9687}"/>
+                <a16:creationId xmlns:a16="http://schemas.microsoft.com/office/drawing/2014/main" id="{72AA9F43-1191-626F-CC0C-284ECAA52EF5}"/>
               </a:ext>
             </a:extLst>
           </p:cNvPr>
@@ -1862,7 +1862,7 @@
           <a:bodyPr/>
           <a:lstStyle/>
           <a:p>
-            <a:fld id="{99161DAC-E5E5-42BD-8C95-21DD38E22665}" type="slidenum">
+            <a:fld id="{F614C6AB-4031-4E25-A7DE-9C791C3ED695}" type="slidenum">
               <a:rPr lang="zh-CN" altLang="en-US" smtClean="0"/>
               <a:t>‹#›</a:t>
             </a:fld>
@@ -1873,7 +1873,7 @@
     </p:spTree>
     <p:extLst>
       <p:ext uri="{BB962C8B-B14F-4D97-AF65-F5344CB8AC3E}">
-        <p14:creationId xmlns:p14="http://schemas.microsoft.com/office/powerpoint/2010/main" val="3136409357"/>
+        <p14:creationId xmlns:p14="http://schemas.microsoft.com/office/powerpoint/2010/main" val="681883422"/>
       </p:ext>
     </p:extLst>
   </p:cSld>
@@ -1905,7 +1905,7 @@
           <p:cNvPr id="2" name="标题 1">
             <a:extLst>
               <a:ext uri="{FF2B5EF4-FFF2-40B4-BE49-F238E27FC236}">
-                <a16:creationId xmlns:a16="http://schemas.microsoft.com/office/drawing/2014/main" id="{D492F00C-7DCE-D6C7-F61F-EA5986EF43FE}"/>
+                <a16:creationId xmlns:a16="http://schemas.microsoft.com/office/drawing/2014/main" id="{793A3413-1281-59CA-92B7-62CA75DFEF19}"/>
               </a:ext>
             </a:extLst>
           </p:cNvPr>
@@ -1933,7 +1933,7 @@
           <p:cNvPr id="3" name="日期占位符 2">
             <a:extLst>
               <a:ext uri="{FF2B5EF4-FFF2-40B4-BE49-F238E27FC236}">
-                <a16:creationId xmlns:a16="http://schemas.microsoft.com/office/drawing/2014/main" id="{3C2D6951-586B-BFE7-F605-5107F6EAF3FF}"/>
+                <a16:creationId xmlns:a16="http://schemas.microsoft.com/office/drawing/2014/main" id="{BC64332D-9601-7093-21EC-D7BB0171A659}"/>
               </a:ext>
             </a:extLst>
           </p:cNvPr>
@@ -1949,7 +1949,7 @@
           <a:bodyPr/>
           <a:lstStyle/>
           <a:p>
-            <a:fld id="{E306BFC1-9116-4AE4-90FF-6B930F0AC022}" type="datetimeFigureOut">
+            <a:fld id="{57E7483D-93C7-4126-BA19-52EE07EBB4E9}" type="datetimeFigureOut">
               <a:rPr lang="zh-CN" altLang="en-US" smtClean="0"/>
               <a:t>2024/3/10</a:t>
             </a:fld>
@@ -1962,7 +1962,7 @@
           <p:cNvPr id="4" name="页脚占位符 3">
             <a:extLst>
               <a:ext uri="{FF2B5EF4-FFF2-40B4-BE49-F238E27FC236}">
-                <a16:creationId xmlns:a16="http://schemas.microsoft.com/office/drawing/2014/main" id="{31D76472-A7F8-1295-E971-CDCFD3F23BA1}"/>
+                <a16:creationId xmlns:a16="http://schemas.microsoft.com/office/drawing/2014/main" id="{FF56D686-DDF1-9D4B-FE34-264A306160EC}"/>
               </a:ext>
             </a:extLst>
           </p:cNvPr>
@@ -1987,7 +1987,7 @@
           <p:cNvPr id="5" name="灯片编号占位符 4">
             <a:extLst>
               <a:ext uri="{FF2B5EF4-FFF2-40B4-BE49-F238E27FC236}">
-                <a16:creationId xmlns:a16="http://schemas.microsoft.com/office/drawing/2014/main" id="{186D7249-1115-D7FA-779E-7A59DD9E0AA3}"/>
+                <a16:creationId xmlns:a16="http://schemas.microsoft.com/office/drawing/2014/main" id="{CD1931EF-4CC7-0028-245B-DEB08F0DF151}"/>
               </a:ext>
             </a:extLst>
           </p:cNvPr>
@@ -2003,7 +2003,7 @@
           <a:bodyPr/>
           <a:lstStyle/>
           <a:p>
-            <a:fld id="{99161DAC-E5E5-42BD-8C95-21DD38E22665}" type="slidenum">
+            <a:fld id="{F614C6AB-4031-4E25-A7DE-9C791C3ED695}" type="slidenum">
               <a:rPr lang="zh-CN" altLang="en-US" smtClean="0"/>
               <a:t>‹#›</a:t>
             </a:fld>
@@ -2014,7 +2014,7 @@
     </p:spTree>
     <p:extLst>
       <p:ext uri="{BB962C8B-B14F-4D97-AF65-F5344CB8AC3E}">
-        <p14:creationId xmlns:p14="http://schemas.microsoft.com/office/powerpoint/2010/main" val="747509427"/>
+        <p14:creationId xmlns:p14="http://schemas.microsoft.com/office/powerpoint/2010/main" val="95910415"/>
       </p:ext>
     </p:extLst>
   </p:cSld>
@@ -2046,7 +2046,7 @@
           <p:cNvPr id="2" name="日期占位符 1">
             <a:extLst>
               <a:ext uri="{FF2B5EF4-FFF2-40B4-BE49-F238E27FC236}">
-                <a16:creationId xmlns:a16="http://schemas.microsoft.com/office/drawing/2014/main" id="{4362F74C-E942-92E6-A2DF-C7815DBCA8C7}"/>
+                <a16:creationId xmlns:a16="http://schemas.microsoft.com/office/drawing/2014/main" id="{33540731-3B1A-7AB5-C39B-4518DBE43521}"/>
               </a:ext>
             </a:extLst>
           </p:cNvPr>
@@ -2062,7 +2062,7 @@
           <a:bodyPr/>
           <a:lstStyle/>
           <a:p>
-            <a:fld id="{E306BFC1-9116-4AE4-90FF-6B930F0AC022}" type="datetimeFigureOut">
+            <a:fld id="{57E7483D-93C7-4126-BA19-52EE07EBB4E9}" type="datetimeFigureOut">
               <a:rPr lang="zh-CN" altLang="en-US" smtClean="0"/>
               <a:t>2024/3/10</a:t>
             </a:fld>
@@ -2075,7 +2075,7 @@
           <p:cNvPr id="3" name="页脚占位符 2">
             <a:extLst>
               <a:ext uri="{FF2B5EF4-FFF2-40B4-BE49-F238E27FC236}">
-                <a16:creationId xmlns:a16="http://schemas.microsoft.com/office/drawing/2014/main" id="{FB30155F-301B-7EC0-576E-5F2DAA5719D6}"/>
+                <a16:creationId xmlns:a16="http://schemas.microsoft.com/office/drawing/2014/main" id="{B5D02A0D-CA35-3FA7-94B1-D8AEBF1BBAA3}"/>
               </a:ext>
             </a:extLst>
           </p:cNvPr>
@@ -2100,7 +2100,7 @@
           <p:cNvPr id="4" name="灯片编号占位符 3">
             <a:extLst>
               <a:ext uri="{FF2B5EF4-FFF2-40B4-BE49-F238E27FC236}">
-                <a16:creationId xmlns:a16="http://schemas.microsoft.com/office/drawing/2014/main" id="{BB727BCD-86C5-481D-BB05-67C53D74957C}"/>
+                <a16:creationId xmlns:a16="http://schemas.microsoft.com/office/drawing/2014/main" id="{FDDBB95E-B251-3BA4-9E6D-794EF9F34767}"/>
               </a:ext>
             </a:extLst>
           </p:cNvPr>
@@ -2116,7 +2116,7 @@
           <a:bodyPr/>
           <a:lstStyle/>
           <a:p>
-            <a:fld id="{99161DAC-E5E5-42BD-8C95-21DD38E22665}" type="slidenum">
+            <a:fld id="{F614C6AB-4031-4E25-A7DE-9C791C3ED695}" type="slidenum">
               <a:rPr lang="zh-CN" altLang="en-US" smtClean="0"/>
               <a:t>‹#›</a:t>
             </a:fld>
@@ -2127,7 +2127,7 @@
     </p:spTree>
     <p:extLst>
       <p:ext uri="{BB962C8B-B14F-4D97-AF65-F5344CB8AC3E}">
-        <p14:creationId xmlns:p14="http://schemas.microsoft.com/office/powerpoint/2010/main" val="1399796752"/>
+        <p14:creationId xmlns:p14="http://schemas.microsoft.com/office/powerpoint/2010/main" val="3776594876"/>
       </p:ext>
     </p:extLst>
   </p:cSld>
@@ -2159,7 +2159,7 @@
           <p:cNvPr id="2" name="标题 1">
             <a:extLst>
               <a:ext uri="{FF2B5EF4-FFF2-40B4-BE49-F238E27FC236}">
-                <a16:creationId xmlns:a16="http://schemas.microsoft.com/office/drawing/2014/main" id="{F17B3395-233C-7AC0-F3D8-DC8D7802D17F}"/>
+                <a16:creationId xmlns:a16="http://schemas.microsoft.com/office/drawing/2014/main" id="{1F44166C-D043-C359-0F11-59A97CDCF5B8}"/>
               </a:ext>
             </a:extLst>
           </p:cNvPr>
@@ -2196,7 +2196,7 @@
           <p:cNvPr id="3" name="内容占位符 2">
             <a:extLst>
               <a:ext uri="{FF2B5EF4-FFF2-40B4-BE49-F238E27FC236}">
-                <a16:creationId xmlns:a16="http://schemas.microsoft.com/office/drawing/2014/main" id="{BBDD132B-E24B-14DB-3114-E0A0192E3721}"/>
+                <a16:creationId xmlns:a16="http://schemas.microsoft.com/office/drawing/2014/main" id="{D04D984E-17D6-1714-9EA9-E95E747611E0}"/>
               </a:ext>
             </a:extLst>
           </p:cNvPr>
@@ -2286,7 +2286,7 @@
           <p:cNvPr id="4" name="文本占位符 3">
             <a:extLst>
               <a:ext uri="{FF2B5EF4-FFF2-40B4-BE49-F238E27FC236}">
-                <a16:creationId xmlns:a16="http://schemas.microsoft.com/office/drawing/2014/main" id="{CC74B630-1714-0E92-9CF3-C25F7A166363}"/>
+                <a16:creationId xmlns:a16="http://schemas.microsoft.com/office/drawing/2014/main" id="{643E0AAF-E699-CA6D-87F3-32F40F833AF6}"/>
               </a:ext>
             </a:extLst>
           </p:cNvPr>
@@ -2357,7 +2357,7 @@
           <p:cNvPr id="5" name="日期占位符 4">
             <a:extLst>
               <a:ext uri="{FF2B5EF4-FFF2-40B4-BE49-F238E27FC236}">
-                <a16:creationId xmlns:a16="http://schemas.microsoft.com/office/drawing/2014/main" id="{35874964-3787-BAFF-4B30-93ECCAD315BB}"/>
+                <a16:creationId xmlns:a16="http://schemas.microsoft.com/office/drawing/2014/main" id="{FB097DB1-7EAF-65CA-52B6-3314201597ED}"/>
               </a:ext>
             </a:extLst>
           </p:cNvPr>
@@ -2373,7 +2373,7 @@
           <a:bodyPr/>
           <a:lstStyle/>
           <a:p>
-            <a:fld id="{E306BFC1-9116-4AE4-90FF-6B930F0AC022}" type="datetimeFigureOut">
+            <a:fld id="{57E7483D-93C7-4126-BA19-52EE07EBB4E9}" type="datetimeFigureOut">
               <a:rPr lang="zh-CN" altLang="en-US" smtClean="0"/>
               <a:t>2024/3/10</a:t>
             </a:fld>
@@ -2386,7 +2386,7 @@
           <p:cNvPr id="6" name="页脚占位符 5">
             <a:extLst>
               <a:ext uri="{FF2B5EF4-FFF2-40B4-BE49-F238E27FC236}">
-                <a16:creationId xmlns:a16="http://schemas.microsoft.com/office/drawing/2014/main" id="{72C522D9-0951-6AB3-6245-3217FF1FF3B1}"/>
+                <a16:creationId xmlns:a16="http://schemas.microsoft.com/office/drawing/2014/main" id="{9C814068-B215-D149-F914-8581DD1BF836}"/>
               </a:ext>
             </a:extLst>
           </p:cNvPr>
@@ -2411,7 +2411,7 @@
           <p:cNvPr id="7" name="灯片编号占位符 6">
             <a:extLst>
               <a:ext uri="{FF2B5EF4-FFF2-40B4-BE49-F238E27FC236}">
-                <a16:creationId xmlns:a16="http://schemas.microsoft.com/office/drawing/2014/main" id="{25C4D8B3-201B-3179-6825-75B5306A7293}"/>
+                <a16:creationId xmlns:a16="http://schemas.microsoft.com/office/drawing/2014/main" id="{7EC7055E-AE40-B500-3DA2-64220EEE7571}"/>
               </a:ext>
             </a:extLst>
           </p:cNvPr>
@@ -2427,7 +2427,7 @@
           <a:bodyPr/>
           <a:lstStyle/>
           <a:p>
-            <a:fld id="{99161DAC-E5E5-42BD-8C95-21DD38E22665}" type="slidenum">
+            <a:fld id="{F614C6AB-4031-4E25-A7DE-9C791C3ED695}" type="slidenum">
               <a:rPr lang="zh-CN" altLang="en-US" smtClean="0"/>
               <a:t>‹#›</a:t>
             </a:fld>
@@ -2438,7 +2438,7 @@
     </p:spTree>
     <p:extLst>
       <p:ext uri="{BB962C8B-B14F-4D97-AF65-F5344CB8AC3E}">
-        <p14:creationId xmlns:p14="http://schemas.microsoft.com/office/powerpoint/2010/main" val="2628625696"/>
+        <p14:creationId xmlns:p14="http://schemas.microsoft.com/office/powerpoint/2010/main" val="1096555739"/>
       </p:ext>
     </p:extLst>
   </p:cSld>
@@ -2470,7 +2470,7 @@
           <p:cNvPr id="2" name="标题 1">
             <a:extLst>
               <a:ext uri="{FF2B5EF4-FFF2-40B4-BE49-F238E27FC236}">
-                <a16:creationId xmlns:a16="http://schemas.microsoft.com/office/drawing/2014/main" id="{B9DDEB2C-F409-DC22-1B94-E83F5A6CA19C}"/>
+                <a16:creationId xmlns:a16="http://schemas.microsoft.com/office/drawing/2014/main" id="{B183D259-FEF7-EA33-FF1B-BCB48A101754}"/>
               </a:ext>
             </a:extLst>
           </p:cNvPr>
@@ -2507,7 +2507,7 @@
           <p:cNvPr id="3" name="图片占位符 2">
             <a:extLst>
               <a:ext uri="{FF2B5EF4-FFF2-40B4-BE49-F238E27FC236}">
-                <a16:creationId xmlns:a16="http://schemas.microsoft.com/office/drawing/2014/main" id="{B9D0BE7C-B01C-89BD-198F-A472A8D4F645}"/>
+                <a16:creationId xmlns:a16="http://schemas.microsoft.com/office/drawing/2014/main" id="{B64EAA9F-DF05-F73C-3165-E626E200D149}"/>
               </a:ext>
             </a:extLst>
           </p:cNvPr>
@@ -2574,7 +2574,7 @@
           <p:cNvPr id="4" name="文本占位符 3">
             <a:extLst>
               <a:ext uri="{FF2B5EF4-FFF2-40B4-BE49-F238E27FC236}">
-                <a16:creationId xmlns:a16="http://schemas.microsoft.com/office/drawing/2014/main" id="{320E19E4-4D75-C8A4-950E-C160A3E3BD78}"/>
+                <a16:creationId xmlns:a16="http://schemas.microsoft.com/office/drawing/2014/main" id="{FC51C7A2-33E0-C31D-58A8-F0FFC14D9C37}"/>
               </a:ext>
             </a:extLst>
           </p:cNvPr>
@@ -2645,7 +2645,7 @@
           <p:cNvPr id="5" name="日期占位符 4">
             <a:extLst>
               <a:ext uri="{FF2B5EF4-FFF2-40B4-BE49-F238E27FC236}">
-                <a16:creationId xmlns:a16="http://schemas.microsoft.com/office/drawing/2014/main" id="{FAECD805-6CB8-A948-9B6F-8F0C69EDECBC}"/>
+                <a16:creationId xmlns:a16="http://schemas.microsoft.com/office/drawing/2014/main" id="{8CE7D884-920D-49A2-90AC-B332B6B7FC0B}"/>
               </a:ext>
             </a:extLst>
           </p:cNvPr>
@@ -2661,7 +2661,7 @@
           <a:bodyPr/>
           <a:lstStyle/>
           <a:p>
-            <a:fld id="{E306BFC1-9116-4AE4-90FF-6B930F0AC022}" type="datetimeFigureOut">
+            <a:fld id="{57E7483D-93C7-4126-BA19-52EE07EBB4E9}" type="datetimeFigureOut">
               <a:rPr lang="zh-CN" altLang="en-US" smtClean="0"/>
               <a:t>2024/3/10</a:t>
             </a:fld>
@@ -2674,7 +2674,7 @@
           <p:cNvPr id="6" name="页脚占位符 5">
             <a:extLst>
               <a:ext uri="{FF2B5EF4-FFF2-40B4-BE49-F238E27FC236}">
-                <a16:creationId xmlns:a16="http://schemas.microsoft.com/office/drawing/2014/main" id="{38467FA4-7A58-24BD-F761-F1DF337D52C6}"/>
+                <a16:creationId xmlns:a16="http://schemas.microsoft.com/office/drawing/2014/main" id="{48E6AA30-3105-8CD3-F31A-2646F9384D34}"/>
               </a:ext>
             </a:extLst>
           </p:cNvPr>
@@ -2699,7 +2699,7 @@
           <p:cNvPr id="7" name="灯片编号占位符 6">
             <a:extLst>
               <a:ext uri="{FF2B5EF4-FFF2-40B4-BE49-F238E27FC236}">
-                <a16:creationId xmlns:a16="http://schemas.microsoft.com/office/drawing/2014/main" id="{50E5AFB1-8305-0FA5-71A5-A775D08F73B4}"/>
+                <a16:creationId xmlns:a16="http://schemas.microsoft.com/office/drawing/2014/main" id="{8C69CC95-8103-0263-A984-937C024A7F8D}"/>
               </a:ext>
             </a:extLst>
           </p:cNvPr>
@@ -2715,7 +2715,7 @@
           <a:bodyPr/>
           <a:lstStyle/>
           <a:p>
-            <a:fld id="{99161DAC-E5E5-42BD-8C95-21DD38E22665}" type="slidenum">
+            <a:fld id="{F614C6AB-4031-4E25-A7DE-9C791C3ED695}" type="slidenum">
               <a:rPr lang="zh-CN" altLang="en-US" smtClean="0"/>
               <a:t>‹#›</a:t>
             </a:fld>
@@ -2726,7 +2726,7 @@
     </p:spTree>
     <p:extLst>
       <p:ext uri="{BB962C8B-B14F-4D97-AF65-F5344CB8AC3E}">
-        <p14:creationId xmlns:p14="http://schemas.microsoft.com/office/powerpoint/2010/main" val="4155671903"/>
+        <p14:creationId xmlns:p14="http://schemas.microsoft.com/office/powerpoint/2010/main" val="3653632130"/>
       </p:ext>
     </p:extLst>
   </p:cSld>
@@ -2763,7 +2763,7 @@
           <p:cNvPr id="2" name="标题占位符 1">
             <a:extLst>
               <a:ext uri="{FF2B5EF4-FFF2-40B4-BE49-F238E27FC236}">
-                <a16:creationId xmlns:a16="http://schemas.microsoft.com/office/drawing/2014/main" id="{87A6F603-D7BA-8980-7B88-4383A6F04215}"/>
+                <a16:creationId xmlns:a16="http://schemas.microsoft.com/office/drawing/2014/main" id="{4E6AB353-AE86-A51E-6768-B4CC7F7A7268}"/>
               </a:ext>
             </a:extLst>
           </p:cNvPr>
@@ -2801,7 +2801,7 @@
           <p:cNvPr id="3" name="文本占位符 2">
             <a:extLst>
               <a:ext uri="{FF2B5EF4-FFF2-40B4-BE49-F238E27FC236}">
-                <a16:creationId xmlns:a16="http://schemas.microsoft.com/office/drawing/2014/main" id="{F5232B85-1C19-5C14-78EF-395C3630C756}"/>
+                <a16:creationId xmlns:a16="http://schemas.microsoft.com/office/drawing/2014/main" id="{CD1141B7-931B-C5FF-696C-4CF6C0742186}"/>
               </a:ext>
             </a:extLst>
           </p:cNvPr>
@@ -2868,7 +2868,7 @@
           <p:cNvPr id="4" name="日期占位符 3">
             <a:extLst>
               <a:ext uri="{FF2B5EF4-FFF2-40B4-BE49-F238E27FC236}">
-                <a16:creationId xmlns:a16="http://schemas.microsoft.com/office/drawing/2014/main" id="{AAE52210-B65E-9FB3-AE86-406951F475FA}"/>
+                <a16:creationId xmlns:a16="http://schemas.microsoft.com/office/drawing/2014/main" id="{9F907D2A-DAF3-C8F8-3956-EA92A5858B1C}"/>
               </a:ext>
             </a:extLst>
           </p:cNvPr>
@@ -2902,7 +2902,7 @@
             </a:lvl1pPr>
           </a:lstStyle>
           <a:p>
-            <a:fld id="{E306BFC1-9116-4AE4-90FF-6B930F0AC022}" type="datetimeFigureOut">
+            <a:fld id="{57E7483D-93C7-4126-BA19-52EE07EBB4E9}" type="datetimeFigureOut">
               <a:rPr lang="zh-CN" altLang="en-US" smtClean="0"/>
               <a:t>2024/3/10</a:t>
             </a:fld>
@@ -2915,7 +2915,7 @@
           <p:cNvPr id="5" name="页脚占位符 4">
             <a:extLst>
               <a:ext uri="{FF2B5EF4-FFF2-40B4-BE49-F238E27FC236}">
-                <a16:creationId xmlns:a16="http://schemas.microsoft.com/office/drawing/2014/main" id="{F05610CF-6438-2F40-DC23-3EEB0085923D}"/>
+                <a16:creationId xmlns:a16="http://schemas.microsoft.com/office/drawing/2014/main" id="{E20E8F19-16DB-07A8-742A-D714307B0919}"/>
               </a:ext>
             </a:extLst>
           </p:cNvPr>
@@ -2958,7 +2958,7 @@
           <p:cNvPr id="6" name="灯片编号占位符 5">
             <a:extLst>
               <a:ext uri="{FF2B5EF4-FFF2-40B4-BE49-F238E27FC236}">
-                <a16:creationId xmlns:a16="http://schemas.microsoft.com/office/drawing/2014/main" id="{2ED61856-105B-AF0E-8CA9-8E535F3A6929}"/>
+                <a16:creationId xmlns:a16="http://schemas.microsoft.com/office/drawing/2014/main" id="{4FDD2ADF-DE12-F37F-6796-0453683BB670}"/>
               </a:ext>
             </a:extLst>
           </p:cNvPr>
@@ -2992,7 +2992,7 @@
             </a:lvl1pPr>
           </a:lstStyle>
           <a:p>
-            <a:fld id="{99161DAC-E5E5-42BD-8C95-21DD38E22665}" type="slidenum">
+            <a:fld id="{F614C6AB-4031-4E25-A7DE-9C791C3ED695}" type="slidenum">
               <a:rPr lang="zh-CN" altLang="en-US" smtClean="0"/>
               <a:t>‹#›</a:t>
             </a:fld>
@@ -3003,7 +3003,7 @@
     </p:spTree>
     <p:extLst>
       <p:ext uri="{BB962C8B-B14F-4D97-AF65-F5344CB8AC3E}">
-        <p14:creationId xmlns:p14="http://schemas.microsoft.com/office/powerpoint/2010/main" val="211966688"/>
+        <p14:creationId xmlns:p14="http://schemas.microsoft.com/office/powerpoint/2010/main" val="3072326729"/>
       </p:ext>
     </p:extLst>
   </p:cSld>
